--- a/Slides/2020-Even-DAA-L12-Divide-Conquer-Quicksort.pptx
+++ b/Slides/2020-Even-DAA-L12-Divide-Conquer-Quicksort.pptx
@@ -6378,39 +6378,39 @@
       </p:par>
     </p:tnLst>
     <p:bldLst>
+      <p:bldP build="whole" bldLvl="1" animBg="1" rev="0" advAuto="0" spid="194" grpId="32"/>
+      <p:bldP build="whole" bldLvl="1" animBg="1" rev="0" advAuto="0" spid="175" grpId="23"/>
       <p:bldP build="whole" bldLvl="1" animBg="1" rev="0" advAuto="0" spid="195" grpId="30"/>
-      <p:bldP build="whole" bldLvl="1" animBg="1" rev="0" advAuto="0" spid="169" grpId="18"/>
-      <p:bldP build="whole" bldLvl="1" animBg="1" rev="0" advAuto="0" spid="161" grpId="17"/>
-      <p:bldP build="whole" bldLvl="1" animBg="1" rev="0" advAuto="0" spid="142" grpId="4"/>
-      <p:bldP build="whole" bldLvl="1" animBg="1" rev="0" advAuto="0" spid="184" grpId="33"/>
+      <p:bldP build="whole" bldLvl="1" animBg="1" rev="0" advAuto="0" spid="193" grpId="29"/>
       <p:bldP build="whole" bldLvl="1" animBg="1" rev="0" advAuto="0" spid="154" grpId="9"/>
       <p:bldP build="whole" bldLvl="1" animBg="1" rev="0" advAuto="0" spid="171" grpId="21"/>
-      <p:bldP build="whole" bldLvl="1" animBg="1" rev="0" advAuto="0" spid="170" grpId="19"/>
-      <p:bldP build="whole" bldLvl="1" animBg="1" rev="0" advAuto="0" spid="170" grpId="20"/>
-      <p:bldP build="whole" bldLvl="1" animBg="1" rev="0" advAuto="0" spid="141" grpId="2"/>
+      <p:bldP build="whole" bldLvl="1" animBg="1" rev="0" advAuto="0" spid="168" grpId="14"/>
+      <p:bldP build="whole" bldLvl="1" animBg="1" rev="0" advAuto="0" spid="184" grpId="33"/>
+      <p:bldP build="whole" bldLvl="1" animBg="1" rev="0" advAuto="0" spid="181" grpId="22"/>
       <p:bldP build="whole" bldLvl="1" animBg="1" rev="0" advAuto="0" spid="185" grpId="31"/>
-      <p:bldP build="whole" bldLvl="1" animBg="1" rev="0" advAuto="0" spid="141" grpId="5"/>
-      <p:bldP build="whole" bldLvl="1" animBg="1" rev="0" advAuto="0" spid="175" grpId="23"/>
-      <p:bldP build="whole" bldLvl="1" animBg="1" rev="0" advAuto="0" spid="176" grpId="26"/>
-      <p:bldP build="whole" bldLvl="1" animBg="1" rev="0" advAuto="0" spid="156" grpId="10"/>
-      <p:bldP build="whole" bldLvl="1" animBg="1" rev="0" advAuto="0" spid="168" grpId="14"/>
-      <p:bldP build="whole" bldLvl="1" animBg="1" rev="0" advAuto="0" spid="172" grpId="24"/>
-      <p:bldP build="whole" bldLvl="1" animBg="1" rev="0" advAuto="0" spid="157" grpId="11"/>
       <p:bldP build="whole" bldLvl="1" animBg="1" rev="0" advAuto="0" spid="143" grpId="6"/>
       <p:bldP build="whole" bldLvl="1" animBg="1" rev="0" advAuto="0" spid="143" grpId="7"/>
-      <p:bldP build="whole" bldLvl="1" animBg="1" rev="0" advAuto="0" spid="193" grpId="29"/>
-      <p:bldP build="whole" bldLvl="1" animBg="1" rev="0" advAuto="0" spid="182" grpId="25"/>
-      <p:bldP build="whole" bldLvl="1" animBg="1" rev="0" advAuto="0" spid="189" grpId="28"/>
-      <p:bldP build="whole" bldLvl="1" animBg="1" rev="0" advAuto="0" spid="145" grpId="8"/>
-      <p:bldP build="whole" bldLvl="1" animBg="1" rev="0" advAuto="0" spid="181" grpId="22"/>
-      <p:bldP build="whole" bldLvl="1" animBg="1" rev="0" advAuto="0" spid="167" grpId="12"/>
-      <p:bldP build="whole" bldLvl="1" animBg="1" rev="0" advAuto="0" spid="194" grpId="32"/>
-      <p:bldP build="whole" bldLvl="1" animBg="1" rev="0" advAuto="0" spid="163" grpId="15"/>
+      <p:bldP build="whole" bldLvl="1" animBg="1" rev="0" advAuto="0" spid="183" grpId="27"/>
+      <p:bldP build="whole" bldLvl="1" animBg="1" rev="0" advAuto="0" spid="157" grpId="11"/>
+      <p:bldP build="whole" bldLvl="1" animBg="1" rev="0" advAuto="0" spid="169" grpId="16"/>
+      <p:bldP build="whole" bldLvl="1" animBg="1" rev="0" advAuto="0" spid="169" grpId="18"/>
       <p:bldP build="whole" bldLvl="1" animBg="1" rev="0" advAuto="0" spid="140" grpId="1"/>
       <p:bldP build="whole" bldLvl="1" animBg="1" rev="0" advAuto="0" spid="140" grpId="3"/>
+      <p:bldP build="whole" bldLvl="1" animBg="1" rev="0" advAuto="0" spid="167" grpId="12"/>
+      <p:bldP build="whole" bldLvl="1" animBg="1" rev="0" advAuto="0" spid="161" grpId="17"/>
+      <p:bldP build="whole" bldLvl="1" animBg="1" rev="0" advAuto="0" spid="156" grpId="10"/>
+      <p:bldP build="whole" bldLvl="1" animBg="1" rev="0" advAuto="0" spid="182" grpId="25"/>
+      <p:bldP build="whole" bldLvl="1" animBg="1" rev="0" advAuto="0" spid="141" grpId="2"/>
+      <p:bldP build="whole" bldLvl="1" animBg="1" rev="0" advAuto="0" spid="141" grpId="5"/>
+      <p:bldP build="whole" bldLvl="1" animBg="1" rev="0" advAuto="0" spid="145" grpId="8"/>
+      <p:bldP build="whole" bldLvl="1" animBg="1" rev="0" advAuto="0" spid="163" grpId="15"/>
+      <p:bldP build="whole" bldLvl="1" animBg="1" rev="0" advAuto="0" spid="176" grpId="26"/>
+      <p:bldP build="whole" bldLvl="1" animBg="1" rev="0" advAuto="0" spid="170" grpId="19"/>
+      <p:bldP build="whole" bldLvl="1" animBg="1" rev="0" advAuto="0" spid="172" grpId="24"/>
+      <p:bldP build="whole" bldLvl="1" animBg="1" rev="0" advAuto="0" spid="170" grpId="20"/>
       <p:bldP build="whole" bldLvl="1" animBg="1" rev="0" advAuto="0" spid="162" grpId="13"/>
-      <p:bldP build="whole" bldLvl="1" animBg="1" rev="0" advAuto="0" spid="183" grpId="27"/>
-      <p:bldP build="whole" bldLvl="1" animBg="1" rev="0" advAuto="0" spid="169" grpId="16"/>
+      <p:bldP build="whole" bldLvl="1" animBg="1" rev="0" advAuto="0" spid="189" grpId="28"/>
+      <p:bldP build="whole" bldLvl="1" animBg="1" rev="0" advAuto="0" spid="142" grpId="4"/>
     </p:bldLst>
   </p:timing>
 </p:sld>
@@ -9681,25 +9681,25 @@
     </p:tnLst>
     <p:bldLst>
       <p:bldP build="whole" bldLvl="1" animBg="1" rev="0" advAuto="0" spid="226" grpId="28"/>
-      <p:bldP build="whole" bldLvl="1" animBg="1" rev="0" advAuto="0" spid="236" grpId="21"/>
-      <p:bldP build="whole" bldLvl="1" animBg="1" rev="0" advAuto="0" spid="213" grpId="5"/>
-      <p:bldP build="whole" bldLvl="1" animBg="1" rev="0" advAuto="0" spid="207" grpId="1"/>
-      <p:bldP build="whole" bldLvl="1" animBg="1" rev="0" advAuto="0" spid="230" grpId="12"/>
       <p:bldP build="whole" bldLvl="1" animBg="1" rev="0" advAuto="0" spid="239" grpId="30"/>
-      <p:bldP build="whole" bldLvl="1" animBg="1" rev="0" advAuto="0" spid="234" grpId="8"/>
-      <p:bldP build="whole" bldLvl="1" animBg="1" rev="0" advAuto="0" spid="235" grpId="17"/>
-      <p:bldP build="whole" bldLvl="1" animBg="1" rev="0" advAuto="0" spid="208" grpId="6"/>
-      <p:bldP build="whole" bldLvl="1" animBg="1" rev="0" advAuto="0" spid="228" grpId="14"/>
-      <p:bldP build="whole" bldLvl="1" animBg="1" rev="0" advAuto="0" spid="229" grpId="13"/>
-      <p:bldP build="whole" bldLvl="1" animBg="1" rev="0" advAuto="0" spid="232" grpId="10"/>
-      <p:bldP build="whole" bldLvl="1" animBg="1" rev="0" advAuto="0" spid="221" grpId="29"/>
-      <p:bldP build="whole" bldLvl="1" animBg="1" rev="0" advAuto="0" spid="215" grpId="2"/>
+      <p:bldP build="whole" bldLvl="1" animBg="1" rev="0" advAuto="0" spid="227" grpId="7"/>
       <p:bldP build="whole" bldLvl="1" animBg="1" rev="0" advAuto="0" spid="231" grpId="11"/>
       <p:bldP build="whole" bldLvl="1" animBg="1" rev="0" advAuto="0" spid="217" grpId="27"/>
+      <p:bldP build="whole" bldLvl="1" animBg="1" rev="0" advAuto="0" spid="235" grpId="17"/>
+      <p:bldP build="whole" bldLvl="1" animBg="1" rev="0" advAuto="0" spid="228" grpId="14"/>
+      <p:bldP build="whole" bldLvl="1" animBg="1" rev="0" advAuto="0" spid="233" grpId="9"/>
+      <p:bldP build="whole" bldLvl="1" animBg="1" rev="0" advAuto="0" spid="236" grpId="21"/>
+      <p:bldP build="whole" bldLvl="1" animBg="1" rev="0" advAuto="0" spid="221" grpId="29"/>
+      <p:bldP build="whole" bldLvl="1" animBg="1" rev="0" advAuto="0" spid="230" grpId="12"/>
+      <p:bldP build="whole" bldLvl="1" animBg="1" rev="0" advAuto="0" spid="215" grpId="2"/>
+      <p:bldP build="whole" bldLvl="1" animBg="1" rev="0" advAuto="0" spid="229" grpId="13"/>
+      <p:bldP build="whole" bldLvl="1" animBg="1" rev="0" advAuto="0" spid="207" grpId="1"/>
+      <p:bldP build="whole" bldLvl="1" animBg="1" rev="0" advAuto="0" spid="208" grpId="6"/>
+      <p:bldP build="whole" bldLvl="1" animBg="1" rev="0" advAuto="0" spid="213" grpId="5"/>
+      <p:bldP build="whole" bldLvl="1" animBg="1" rev="0" advAuto="0" spid="232" grpId="10"/>
+      <p:bldP build="whole" bldLvl="1" animBg="1" rev="0" advAuto="0" spid="216" grpId="3"/>
+      <p:bldP build="whole" bldLvl="1" animBg="1" rev="0" advAuto="0" spid="234" grpId="8"/>
       <p:bldP build="whole" bldLvl="1" animBg="1" rev="0" advAuto="0" spid="240" grpId="31"/>
-      <p:bldP build="whole" bldLvl="1" animBg="1" rev="0" advAuto="0" spid="227" grpId="7"/>
-      <p:bldP build="whole" bldLvl="1" animBg="1" rev="0" advAuto="0" spid="216" grpId="3"/>
-      <p:bldP build="whole" bldLvl="1" animBg="1" rev="0" advAuto="0" spid="233" grpId="9"/>
     </p:bldLst>
   </p:timing>
 </p:sld>
@@ -14217,7 +14217,7 @@
       </p:sp>
       <p:sp>
         <p:nvSpPr>
-          <p:cNvPr id="48" name="Text book 1: Levitin (QuickSort)"/>
+          <p:cNvPr id="48" name="Text book 1: Levitin (QuickSort)…"/>
           <p:cNvSpPr txBox="1"/>
           <p:nvPr>
             <p:ph type="body" idx="1"/>
@@ -14251,6 +14251,47 @@
             </a:r>
             <a:r>
               <a:t>: Levitin (QuickSort)</a:t>
+            </a:r>
+          </a:p>
+          <a:p>
+            <a:pPr/>
+            <a:r>
+              <a:t>NPTel:  DAA by Prof Madhavan Mukund</a:t>
+            </a:r>
+          </a:p>
+          <a:p>
+            <a:pPr lvl="1">
+              <a:defRPr>
+                <a:latin typeface="Courier New"/>
+                <a:ea typeface="Courier New"/>
+                <a:cs typeface="Courier New"/>
+                <a:sym typeface="Courier New"/>
+              </a:defRPr>
+            </a:pPr>
+            <a:r>
+              <a:rPr u="sng">
+                <a:hlinkClick r:id="rId2" invalidUrl="" action="" tgtFrame="" tooltip="" history="1" highlightClick="0" endSnd="0"/>
+              </a:rPr>
+              <a:t>https://onlinecourses.nptel.ac.in/noc20_cs27/unit?unit=12&amp;lesson=18</a:t>
+            </a:r>
+            <a:r>
+              <a:t> </a:t>
+            </a:r>
+          </a:p>
+          <a:p>
+            <a:pPr lvl="1">
+              <a:defRPr>
+                <a:latin typeface="Courier New"/>
+                <a:ea typeface="Courier New"/>
+                <a:cs typeface="Courier New"/>
+                <a:sym typeface="Courier New"/>
+              </a:defRPr>
+            </a:pPr>
+            <a:r>
+              <a:rPr u="sng">
+                <a:hlinkClick r:id="rId3" invalidUrl="" action="" tgtFrame="" tooltip="" history="1" highlightClick="0" endSnd="0"/>
+              </a:rPr>
+              <a:t>https://onlinecourses.nptel.ac.in/noc20_cs27/unit?unit=12&amp;lesson=19</a:t>
             </a:r>
           </a:p>
         </p:txBody>
@@ -14491,6 +14532,102 @@
                                           <p:spTgt spid="48">
                                             <p:txEl>
                                               <p:pRg st="1" end="1"/>
+                                            </p:txEl>
+                                          </p:spTgt>
+                                        </p:tgtEl>
+                                        <p:attrNameLst>
+                                          <p:attrName>style.visibility</p:attrName>
+                                        </p:attrNameLst>
+                                      </p:cBhvr>
+                                      <p:to>
+                                        <p:strVal val="visible"/>
+                                      </p:to>
+                                    </p:set>
+                                  </p:childTnLst>
+                                </p:cTn>
+                              </p:par>
+                            </p:childTnLst>
+                          </p:cTn>
+                        </p:par>
+                      </p:childTnLst>
+                    </p:cTn>
+                  </p:par>
+                  <p:par>
+                    <p:cTn id="13" fill="hold">
+                      <p:stCondLst>
+                        <p:cond delay="indefinite"/>
+                      </p:stCondLst>
+                      <p:childTnLst>
+                        <p:par>
+                          <p:cTn id="14" fill="hold">
+                            <p:stCondLst>
+                              <p:cond delay="0"/>
+                            </p:stCondLst>
+                            <p:childTnLst>
+                              <p:par>
+                                <p:cTn id="15" presetClass="entr" nodeType="clickEffect" presetSubtype="0" presetID="1" grpId="1" fill="hold">
+                                  <p:stCondLst>
+                                    <p:cond delay="0"/>
+                                  </p:stCondLst>
+                                  <p:iterate type="el" backwards="0">
+                                    <p:tmAbs val="0"/>
+                                  </p:iterate>
+                                  <p:childTnLst>
+                                    <p:set>
+                                      <p:cBhvr>
+                                        <p:cTn id="16" fill="hold"/>
+                                        <p:tgtEl>
+                                          <p:spTgt spid="48">
+                                            <p:txEl>
+                                              <p:pRg st="2" end="2"/>
+                                            </p:txEl>
+                                          </p:spTgt>
+                                        </p:tgtEl>
+                                        <p:attrNameLst>
+                                          <p:attrName>style.visibility</p:attrName>
+                                        </p:attrNameLst>
+                                      </p:cBhvr>
+                                      <p:to>
+                                        <p:strVal val="visible"/>
+                                      </p:to>
+                                    </p:set>
+                                  </p:childTnLst>
+                                </p:cTn>
+                              </p:par>
+                            </p:childTnLst>
+                          </p:cTn>
+                        </p:par>
+                      </p:childTnLst>
+                    </p:cTn>
+                  </p:par>
+                  <p:par>
+                    <p:cTn id="17" fill="hold">
+                      <p:stCondLst>
+                        <p:cond delay="indefinite"/>
+                      </p:stCondLst>
+                      <p:childTnLst>
+                        <p:par>
+                          <p:cTn id="18" fill="hold">
+                            <p:stCondLst>
+                              <p:cond delay="0"/>
+                            </p:stCondLst>
+                            <p:childTnLst>
+                              <p:par>
+                                <p:cTn id="19" presetClass="entr" nodeType="clickEffect" presetSubtype="0" presetID="1" grpId="1" fill="hold">
+                                  <p:stCondLst>
+                                    <p:cond delay="0"/>
+                                  </p:stCondLst>
+                                  <p:iterate type="el" backwards="0">
+                                    <p:tmAbs val="0"/>
+                                  </p:iterate>
+                                  <p:childTnLst>
+                                    <p:set>
+                                      <p:cBhvr>
+                                        <p:cTn id="20" fill="hold"/>
+                                        <p:tgtEl>
+                                          <p:spTgt spid="48">
+                                            <p:txEl>
+                                              <p:pRg st="3" end="3"/>
                                             </p:txEl>
                                           </p:spTgt>
                                         </p:tgtEl>
@@ -15313,7 +15450,16 @@
               <a:defRPr sz="2800"/>
             </a:pPr>
             <a:r>
-              <a:t>Introduced by Hoare in 1960</a:t>
+              <a:t>Introduced by Hoare in </a:t>
+            </a:r>
+            <a:r>
+              <a:rPr>
+                <a:latin typeface="Arial"/>
+                <a:ea typeface="Arial"/>
+                <a:cs typeface="Arial"/>
+                <a:sym typeface="Arial"/>
+              </a:rPr>
+              <a:t>1960</a:t>
             </a:r>
           </a:p>
           <a:p>
@@ -17354,7 +17500,19 @@
               <a:defRPr sz="2800"/>
             </a:pPr>
             <a:r>
-              <a:t>Each part of size n/2,</a:t>
+              <a:t>Each part of size </a:t>
+            </a:r>
+            <a:r>
+              <a:rPr>
+                <a:latin typeface="Arial"/>
+                <a:ea typeface="Arial"/>
+                <a:cs typeface="Arial"/>
+                <a:sym typeface="Arial"/>
+              </a:rPr>
+              <a:t>n/2</a:t>
+            </a:r>
+            <a:r>
+              <a:t>,</a:t>
             </a:r>
           </a:p>
           <a:p>
@@ -17366,7 +17524,16 @@
               <a:defRPr sz="2800"/>
             </a:pPr>
             <a:r>
-              <a:t>n operations (moving to left and right of median)</a:t>
+              <a:rPr>
+                <a:latin typeface="Arial"/>
+                <a:ea typeface="Arial"/>
+                <a:cs typeface="Arial"/>
+                <a:sym typeface="Arial"/>
+              </a:rPr>
+              <a:t>n</a:t>
+            </a:r>
+            <a:r>
+              <a:t> operations (moving to left and right of median)</a:t>
             </a:r>
           </a:p>
           <a:p>
@@ -17380,15 +17547,6 @@
             <a:r>
               <a:t>Time complexity same as that of mergesort, i.e.</a:t>
             </a:r>
-          </a:p>
-          <a:p>
-            <a:pPr lvl="1" marL="738187" indent="-342900">
-              <a:spcBef>
-                <a:spcPts val="400"/>
-              </a:spcBef>
-              <a:buChar char="•"/>
-              <a:defRPr sz="2800"/>
-            </a:pPr>
           </a:p>
           <a:p>
             <a:pPr lvl="1" marL="738187" indent="-342900">
@@ -17405,6 +17563,24 @@
             </a:pPr>
             <a:r>
               <a:t>T(n)= 2T(n/2)+Θ(n)</a:t>
+            </a:r>
+          </a:p>
+          <a:p>
+            <a:pPr lvl="7" marL="0" indent="1600200">
+              <a:spcBef>
+                <a:spcPts val="400"/>
+              </a:spcBef>
+              <a:buSzTx/>
+              <a:buNone/>
+              <a:defRPr sz="2800">
+                <a:latin typeface="Courier New"/>
+                <a:ea typeface="Courier New"/>
+                <a:cs typeface="Courier New"/>
+                <a:sym typeface="Courier New"/>
+              </a:defRPr>
+            </a:pPr>
+            <a:r>
+              <a:t>=…</a:t>
             </a:r>
           </a:p>
           <a:p>
@@ -19869,12 +20045,12 @@
       </p:par>
     </p:tnLst>
     <p:bldLst>
+      <p:bldP build="whole" bldLvl="1" animBg="1" rev="0" advAuto="0" spid="88" grpId="5"/>
+      <p:bldP build="whole" bldLvl="1" animBg="1" rev="0" advAuto="0" spid="91" grpId="4"/>
+      <p:bldP build="whole" bldLvl="1" animBg="1" rev="0" advAuto="0" spid="86" grpId="2"/>
+      <p:bldP build="whole" bldLvl="1" animBg="1" rev="0" advAuto="0" spid="92" grpId="6"/>
+      <p:bldP build="whole" bldLvl="1" animBg="1" rev="0" advAuto="0" spid="87" grpId="3"/>
       <p:bldP build="p" bldLvl="5" animBg="1" rev="0" advAuto="0" spid="78" grpId="1"/>
-      <p:bldP build="whole" bldLvl="1" animBg="1" rev="0" advAuto="0" spid="87" grpId="3"/>
-      <p:bldP build="whole" bldLvl="1" animBg="1" rev="0" advAuto="0" spid="86" grpId="2"/>
-      <p:bldP build="whole" bldLvl="1" animBg="1" rev="0" advAuto="0" spid="91" grpId="4"/>
-      <p:bldP build="whole" bldLvl="1" animBg="1" rev="0" advAuto="0" spid="92" grpId="6"/>
-      <p:bldP build="whole" bldLvl="1" animBg="1" rev="0" advAuto="0" spid="88" grpId="5"/>
     </p:bldLst>
   </p:timing>
 </p:sld>
@@ -22209,15 +22385,15 @@
       </p:par>
     </p:tnLst>
     <p:bldLst>
+      <p:bldP build="whole" bldLvl="1" animBg="1" rev="0" advAuto="0" spid="113" grpId="2"/>
+      <p:bldP build="whole" bldLvl="1" animBg="1" rev="0" advAuto="0" spid="126" grpId="8"/>
+      <p:bldP build="whole" bldLvl="1" animBg="1" rev="0" advAuto="0" spid="119" grpId="7"/>
+      <p:bldP build="whole" bldLvl="1" animBg="1" rev="0" advAuto="0" spid="123" grpId="6"/>
+      <p:bldP build="whole" bldLvl="1" animBg="1" rev="0" advAuto="0" spid="120" grpId="9"/>
       <p:bldP build="whole" bldLvl="1" animBg="1" rev="0" advAuto="0" spid="118" grpId="4"/>
+      <p:bldP build="whole" bldLvl="1" animBg="1" rev="0" advAuto="0" spid="117" grpId="5"/>
+      <p:bldP build="whole" bldLvl="1" animBg="1" rev="0" advAuto="0" spid="114" grpId="3"/>
       <p:bldP build="p" bldLvl="5" animBg="1" rev="0" advAuto="0" spid="112" grpId="1"/>
-      <p:bldP build="whole" bldLvl="1" animBg="1" rev="0" advAuto="0" spid="119" grpId="7"/>
-      <p:bldP build="whole" bldLvl="1" animBg="1" rev="0" advAuto="0" spid="117" grpId="5"/>
-      <p:bldP build="whole" bldLvl="1" animBg="1" rev="0" advAuto="0" spid="123" grpId="6"/>
-      <p:bldP build="whole" bldLvl="1" animBg="1" rev="0" advAuto="0" spid="113" grpId="2"/>
-      <p:bldP build="whole" bldLvl="1" animBg="1" rev="0" advAuto="0" spid="114" grpId="3"/>
-      <p:bldP build="whole" bldLvl="1" animBg="1" rev="0" advAuto="0" spid="126" grpId="8"/>
-      <p:bldP build="whole" bldLvl="1" animBg="1" rev="0" advAuto="0" spid="120" grpId="9"/>
     </p:bldLst>
   </p:timing>
 </p:sld>
